--- a/QR_CODE/markers_x8.pptx
+++ b/QR_CODE/markers_x8.pptx
@@ -7,9 +7,10 @@
   <p:sldIdLst>
     <p:sldId id="256" r:id="rId2"/>
     <p:sldId id="257" r:id="rId3"/>
+    <p:sldId id="258" r:id="rId4"/>
   </p:sldIdLst>
   <p:sldSz cx="9144000" cy="6858000" type="screen4x3"/>
-  <p:notesSz cx="6858000" cy="9144000"/>
+  <p:notesSz cx="6797675" cy="9874250"/>
   <p:defaultTextStyle>
     <a:defPPr>
       <a:defRPr lang="de-DE"/>
@@ -105,6 +106,22 @@
       </a:defRPr>
     </a:lvl9pPr>
   </p:defaultTextStyle>
+  <p:extLst>
+    <p:ext uri="{EFAFB233-063F-42B5-8137-9DF3F51BA10A}">
+      <p15:sldGuideLst xmlns:p15="http://schemas.microsoft.com/office/powerpoint/2012/main">
+        <p15:guide id="1" orient="horz" pos="2160">
+          <p15:clr>
+            <a:srgbClr val="A4A3A4"/>
+          </p15:clr>
+        </p15:guide>
+        <p15:guide id="2" pos="2880">
+          <p15:clr>
+            <a:srgbClr val="A4A3A4"/>
+          </p15:clr>
+        </p15:guide>
+      </p15:sldGuideLst>
+    </p:ext>
+  </p:extLst>
 </p:presentation>
 </file>
 
@@ -146,10 +163,9 @@
           <a:lstStyle/>
           <a:p>
             <a:r>
-              <a:rPr lang="de-DE" smtClean="0"/>
+              <a:rPr lang="de-DE"/>
               <a:t>Titelmasterformat durch Klicken bearbeiten</a:t>
             </a:r>
-            <a:endParaRPr lang="de-DE"/>
           </a:p>
         </p:txBody>
       </p:sp>
@@ -265,10 +281,9 @@
           </a:lstStyle>
           <a:p>
             <a:r>
-              <a:rPr lang="de-DE" smtClean="0"/>
+              <a:rPr lang="de-DE"/>
               <a:t>Formatvorlage des Untertitelmasters durch Klicken bearbeiten</a:t>
             </a:r>
-            <a:endParaRPr lang="de-DE"/>
           </a:p>
         </p:txBody>
       </p:sp>
@@ -289,7 +304,7 @@
           <a:p>
             <a:fld id="{AE99A224-FCEB-4C93-A695-437297AF6D07}" type="datetimeFigureOut">
               <a:rPr lang="de-DE" smtClean="0"/>
-              <a:t>14.06.2016</a:t>
+              <a:t>14.09.2016</a:t>
             </a:fld>
             <a:endParaRPr lang="de-DE"/>
           </a:p>
@@ -378,10 +393,9 @@
           <a:lstStyle/>
           <a:p>
             <a:r>
-              <a:rPr lang="de-DE" smtClean="0"/>
+              <a:rPr lang="de-DE"/>
               <a:t>Titelmasterformat durch Klicken bearbeiten</a:t>
             </a:r>
-            <a:endParaRPr lang="de-DE"/>
           </a:p>
         </p:txBody>
       </p:sp>
@@ -402,38 +416,37 @@
           <a:p>
             <a:pPr lvl="0"/>
             <a:r>
-              <a:rPr lang="de-DE" smtClean="0"/>
+              <a:rPr lang="de-DE"/>
               <a:t>Textmasterformate durch Klicken bearbeiten</a:t>
             </a:r>
           </a:p>
           <a:p>
             <a:pPr lvl="1"/>
             <a:r>
-              <a:rPr lang="de-DE" smtClean="0"/>
+              <a:rPr lang="de-DE"/>
               <a:t>Zweite Ebene</a:t>
             </a:r>
           </a:p>
           <a:p>
             <a:pPr lvl="2"/>
             <a:r>
-              <a:rPr lang="de-DE" smtClean="0"/>
+              <a:rPr lang="de-DE"/>
               <a:t>Dritte Ebene</a:t>
             </a:r>
           </a:p>
           <a:p>
             <a:pPr lvl="3"/>
             <a:r>
-              <a:rPr lang="de-DE" smtClean="0"/>
+              <a:rPr lang="de-DE"/>
               <a:t>Vierte Ebene</a:t>
             </a:r>
           </a:p>
           <a:p>
             <a:pPr lvl="4"/>
             <a:r>
-              <a:rPr lang="de-DE" smtClean="0"/>
+              <a:rPr lang="de-DE"/>
               <a:t>Fünfte Ebene</a:t>
             </a:r>
-            <a:endParaRPr lang="de-DE"/>
           </a:p>
         </p:txBody>
       </p:sp>
@@ -454,7 +467,7 @@
           <a:p>
             <a:fld id="{AE99A224-FCEB-4C93-A695-437297AF6D07}" type="datetimeFigureOut">
               <a:rPr lang="de-DE" smtClean="0"/>
-              <a:t>14.06.2016</a:t>
+              <a:t>14.09.2016</a:t>
             </a:fld>
             <a:endParaRPr lang="de-DE"/>
           </a:p>
@@ -548,10 +561,9 @@
           <a:lstStyle/>
           <a:p>
             <a:r>
-              <a:rPr lang="de-DE" smtClean="0"/>
+              <a:rPr lang="de-DE"/>
               <a:t>Titelmasterformat durch Klicken bearbeiten</a:t>
             </a:r>
-            <a:endParaRPr lang="de-DE"/>
           </a:p>
         </p:txBody>
       </p:sp>
@@ -577,38 +589,37 @@
           <a:p>
             <a:pPr lvl="0"/>
             <a:r>
-              <a:rPr lang="de-DE" smtClean="0"/>
+              <a:rPr lang="de-DE"/>
               <a:t>Textmasterformate durch Klicken bearbeiten</a:t>
             </a:r>
           </a:p>
           <a:p>
             <a:pPr lvl="1"/>
             <a:r>
-              <a:rPr lang="de-DE" smtClean="0"/>
+              <a:rPr lang="de-DE"/>
               <a:t>Zweite Ebene</a:t>
             </a:r>
           </a:p>
           <a:p>
             <a:pPr lvl="2"/>
             <a:r>
-              <a:rPr lang="de-DE" smtClean="0"/>
+              <a:rPr lang="de-DE"/>
               <a:t>Dritte Ebene</a:t>
             </a:r>
           </a:p>
           <a:p>
             <a:pPr lvl="3"/>
             <a:r>
-              <a:rPr lang="de-DE" smtClean="0"/>
+              <a:rPr lang="de-DE"/>
               <a:t>Vierte Ebene</a:t>
             </a:r>
           </a:p>
           <a:p>
             <a:pPr lvl="4"/>
             <a:r>
-              <a:rPr lang="de-DE" smtClean="0"/>
+              <a:rPr lang="de-DE"/>
               <a:t>Fünfte Ebene</a:t>
             </a:r>
-            <a:endParaRPr lang="de-DE"/>
           </a:p>
         </p:txBody>
       </p:sp>
@@ -629,7 +640,7 @@
           <a:p>
             <a:fld id="{AE99A224-FCEB-4C93-A695-437297AF6D07}" type="datetimeFigureOut">
               <a:rPr lang="de-DE" smtClean="0"/>
-              <a:t>14.06.2016</a:t>
+              <a:t>14.09.2016</a:t>
             </a:fld>
             <a:endParaRPr lang="de-DE"/>
           </a:p>
@@ -718,10 +729,9 @@
           <a:lstStyle/>
           <a:p>
             <a:r>
-              <a:rPr lang="de-DE" smtClean="0"/>
+              <a:rPr lang="de-DE"/>
               <a:t>Titelmasterformat durch Klicken bearbeiten</a:t>
             </a:r>
-            <a:endParaRPr lang="de-DE"/>
           </a:p>
         </p:txBody>
       </p:sp>
@@ -742,38 +752,37 @@
           <a:p>
             <a:pPr lvl="0"/>
             <a:r>
-              <a:rPr lang="de-DE" smtClean="0"/>
+              <a:rPr lang="de-DE"/>
               <a:t>Textmasterformate durch Klicken bearbeiten</a:t>
             </a:r>
           </a:p>
           <a:p>
             <a:pPr lvl="1"/>
             <a:r>
-              <a:rPr lang="de-DE" smtClean="0"/>
+              <a:rPr lang="de-DE"/>
               <a:t>Zweite Ebene</a:t>
             </a:r>
           </a:p>
           <a:p>
             <a:pPr lvl="2"/>
             <a:r>
-              <a:rPr lang="de-DE" smtClean="0"/>
+              <a:rPr lang="de-DE"/>
               <a:t>Dritte Ebene</a:t>
             </a:r>
           </a:p>
           <a:p>
             <a:pPr lvl="3"/>
             <a:r>
-              <a:rPr lang="de-DE" smtClean="0"/>
+              <a:rPr lang="de-DE"/>
               <a:t>Vierte Ebene</a:t>
             </a:r>
           </a:p>
           <a:p>
             <a:pPr lvl="4"/>
             <a:r>
-              <a:rPr lang="de-DE" smtClean="0"/>
+              <a:rPr lang="de-DE"/>
               <a:t>Fünfte Ebene</a:t>
             </a:r>
-            <a:endParaRPr lang="de-DE"/>
           </a:p>
         </p:txBody>
       </p:sp>
@@ -794,7 +803,7 @@
           <a:p>
             <a:fld id="{AE99A224-FCEB-4C93-A695-437297AF6D07}" type="datetimeFigureOut">
               <a:rPr lang="de-DE" smtClean="0"/>
-              <a:t>14.06.2016</a:t>
+              <a:t>14.09.2016</a:t>
             </a:fld>
             <a:endParaRPr lang="de-DE"/>
           </a:p>
@@ -892,10 +901,9 @@
           </a:lstStyle>
           <a:p>
             <a:r>
-              <a:rPr lang="de-DE" smtClean="0"/>
+              <a:rPr lang="de-DE"/>
               <a:t>Titelmasterformat durch Klicken bearbeiten</a:t>
             </a:r>
-            <a:endParaRPr lang="de-DE"/>
           </a:p>
         </p:txBody>
       </p:sp>
@@ -1012,7 +1020,7 @@
           <a:p>
             <a:pPr lvl="0"/>
             <a:r>
-              <a:rPr lang="de-DE" smtClean="0"/>
+              <a:rPr lang="de-DE"/>
               <a:t>Textmasterformate durch Klicken bearbeiten</a:t>
             </a:r>
           </a:p>
@@ -1035,7 +1043,7 @@
           <a:p>
             <a:fld id="{AE99A224-FCEB-4C93-A695-437297AF6D07}" type="datetimeFigureOut">
               <a:rPr lang="de-DE" smtClean="0"/>
-              <a:t>14.06.2016</a:t>
+              <a:t>14.09.2016</a:t>
             </a:fld>
             <a:endParaRPr lang="de-DE"/>
           </a:p>
@@ -1124,10 +1132,9 @@
           <a:lstStyle/>
           <a:p>
             <a:r>
-              <a:rPr lang="de-DE" smtClean="0"/>
+              <a:rPr lang="de-DE"/>
               <a:t>Titelmasterformat durch Klicken bearbeiten</a:t>
             </a:r>
-            <a:endParaRPr lang="de-DE"/>
           </a:p>
         </p:txBody>
       </p:sp>
@@ -1181,38 +1188,37 @@
           <a:p>
             <a:pPr lvl="0"/>
             <a:r>
-              <a:rPr lang="de-DE" smtClean="0"/>
+              <a:rPr lang="de-DE"/>
               <a:t>Textmasterformate durch Klicken bearbeiten</a:t>
             </a:r>
           </a:p>
           <a:p>
             <a:pPr lvl="1"/>
             <a:r>
-              <a:rPr lang="de-DE" smtClean="0"/>
+              <a:rPr lang="de-DE"/>
               <a:t>Zweite Ebene</a:t>
             </a:r>
           </a:p>
           <a:p>
             <a:pPr lvl="2"/>
             <a:r>
-              <a:rPr lang="de-DE" smtClean="0"/>
+              <a:rPr lang="de-DE"/>
               <a:t>Dritte Ebene</a:t>
             </a:r>
           </a:p>
           <a:p>
             <a:pPr lvl="3"/>
             <a:r>
-              <a:rPr lang="de-DE" smtClean="0"/>
+              <a:rPr lang="de-DE"/>
               <a:t>Vierte Ebene</a:t>
             </a:r>
           </a:p>
           <a:p>
             <a:pPr lvl="4"/>
             <a:r>
-              <a:rPr lang="de-DE" smtClean="0"/>
+              <a:rPr lang="de-DE"/>
               <a:t>Fünfte Ebene</a:t>
             </a:r>
-            <a:endParaRPr lang="de-DE"/>
           </a:p>
         </p:txBody>
       </p:sp>
@@ -1266,38 +1272,37 @@
           <a:p>
             <a:pPr lvl="0"/>
             <a:r>
-              <a:rPr lang="de-DE" smtClean="0"/>
+              <a:rPr lang="de-DE"/>
               <a:t>Textmasterformate durch Klicken bearbeiten</a:t>
             </a:r>
           </a:p>
           <a:p>
             <a:pPr lvl="1"/>
             <a:r>
-              <a:rPr lang="de-DE" smtClean="0"/>
+              <a:rPr lang="de-DE"/>
               <a:t>Zweite Ebene</a:t>
             </a:r>
           </a:p>
           <a:p>
             <a:pPr lvl="2"/>
             <a:r>
-              <a:rPr lang="de-DE" smtClean="0"/>
+              <a:rPr lang="de-DE"/>
               <a:t>Dritte Ebene</a:t>
             </a:r>
           </a:p>
           <a:p>
             <a:pPr lvl="3"/>
             <a:r>
-              <a:rPr lang="de-DE" smtClean="0"/>
+              <a:rPr lang="de-DE"/>
               <a:t>Vierte Ebene</a:t>
             </a:r>
           </a:p>
           <a:p>
             <a:pPr lvl="4"/>
             <a:r>
-              <a:rPr lang="de-DE" smtClean="0"/>
+              <a:rPr lang="de-DE"/>
               <a:t>Fünfte Ebene</a:t>
             </a:r>
-            <a:endParaRPr lang="de-DE"/>
           </a:p>
         </p:txBody>
       </p:sp>
@@ -1318,7 +1323,7 @@
           <a:p>
             <a:fld id="{AE99A224-FCEB-4C93-A695-437297AF6D07}" type="datetimeFigureOut">
               <a:rPr lang="de-DE" smtClean="0"/>
-              <a:t>14.06.2016</a:t>
+              <a:t>14.09.2016</a:t>
             </a:fld>
             <a:endParaRPr lang="de-DE"/>
           </a:p>
@@ -1411,10 +1416,9 @@
           </a:lstStyle>
           <a:p>
             <a:r>
-              <a:rPr lang="de-DE" smtClean="0"/>
+              <a:rPr lang="de-DE"/>
               <a:t>Titelmasterformat durch Klicken bearbeiten</a:t>
             </a:r>
-            <a:endParaRPr lang="de-DE"/>
           </a:p>
         </p:txBody>
       </p:sp>
@@ -1477,7 +1481,7 @@
           <a:p>
             <a:pPr lvl="0"/>
             <a:r>
-              <a:rPr lang="de-DE" smtClean="0"/>
+              <a:rPr lang="de-DE"/>
               <a:t>Textmasterformate durch Klicken bearbeiten</a:t>
             </a:r>
           </a:p>
@@ -1533,38 +1537,37 @@
           <a:p>
             <a:pPr lvl="0"/>
             <a:r>
-              <a:rPr lang="de-DE" smtClean="0"/>
+              <a:rPr lang="de-DE"/>
               <a:t>Textmasterformate durch Klicken bearbeiten</a:t>
             </a:r>
           </a:p>
           <a:p>
             <a:pPr lvl="1"/>
             <a:r>
-              <a:rPr lang="de-DE" smtClean="0"/>
+              <a:rPr lang="de-DE"/>
               <a:t>Zweite Ebene</a:t>
             </a:r>
           </a:p>
           <a:p>
             <a:pPr lvl="2"/>
             <a:r>
-              <a:rPr lang="de-DE" smtClean="0"/>
+              <a:rPr lang="de-DE"/>
               <a:t>Dritte Ebene</a:t>
             </a:r>
           </a:p>
           <a:p>
             <a:pPr lvl="3"/>
             <a:r>
-              <a:rPr lang="de-DE" smtClean="0"/>
+              <a:rPr lang="de-DE"/>
               <a:t>Vierte Ebene</a:t>
             </a:r>
           </a:p>
           <a:p>
             <a:pPr lvl="4"/>
             <a:r>
-              <a:rPr lang="de-DE" smtClean="0"/>
+              <a:rPr lang="de-DE"/>
               <a:t>Fünfte Ebene</a:t>
             </a:r>
-            <a:endParaRPr lang="de-DE"/>
           </a:p>
         </p:txBody>
       </p:sp>
@@ -1627,7 +1630,7 @@
           <a:p>
             <a:pPr lvl="0"/>
             <a:r>
-              <a:rPr lang="de-DE" smtClean="0"/>
+              <a:rPr lang="de-DE"/>
               <a:t>Textmasterformate durch Klicken bearbeiten</a:t>
             </a:r>
           </a:p>
@@ -1683,38 +1686,37 @@
           <a:p>
             <a:pPr lvl="0"/>
             <a:r>
-              <a:rPr lang="de-DE" smtClean="0"/>
+              <a:rPr lang="de-DE"/>
               <a:t>Textmasterformate durch Klicken bearbeiten</a:t>
             </a:r>
           </a:p>
           <a:p>
             <a:pPr lvl="1"/>
             <a:r>
-              <a:rPr lang="de-DE" smtClean="0"/>
+              <a:rPr lang="de-DE"/>
               <a:t>Zweite Ebene</a:t>
             </a:r>
           </a:p>
           <a:p>
             <a:pPr lvl="2"/>
             <a:r>
-              <a:rPr lang="de-DE" smtClean="0"/>
+              <a:rPr lang="de-DE"/>
               <a:t>Dritte Ebene</a:t>
             </a:r>
           </a:p>
           <a:p>
             <a:pPr lvl="3"/>
             <a:r>
-              <a:rPr lang="de-DE" smtClean="0"/>
+              <a:rPr lang="de-DE"/>
               <a:t>Vierte Ebene</a:t>
             </a:r>
           </a:p>
           <a:p>
             <a:pPr lvl="4"/>
             <a:r>
-              <a:rPr lang="de-DE" smtClean="0"/>
+              <a:rPr lang="de-DE"/>
               <a:t>Fünfte Ebene</a:t>
             </a:r>
-            <a:endParaRPr lang="de-DE"/>
           </a:p>
         </p:txBody>
       </p:sp>
@@ -1735,7 +1737,7 @@
           <a:p>
             <a:fld id="{AE99A224-FCEB-4C93-A695-437297AF6D07}" type="datetimeFigureOut">
               <a:rPr lang="de-DE" smtClean="0"/>
-              <a:t>14.06.2016</a:t>
+              <a:t>14.09.2016</a:t>
             </a:fld>
             <a:endParaRPr lang="de-DE"/>
           </a:p>
@@ -1824,10 +1826,9 @@
           <a:lstStyle/>
           <a:p>
             <a:r>
-              <a:rPr lang="de-DE" smtClean="0"/>
+              <a:rPr lang="de-DE"/>
               <a:t>Titelmasterformat durch Klicken bearbeiten</a:t>
             </a:r>
-            <a:endParaRPr lang="de-DE"/>
           </a:p>
         </p:txBody>
       </p:sp>
@@ -1848,7 +1849,7 @@
           <a:p>
             <a:fld id="{AE99A224-FCEB-4C93-A695-437297AF6D07}" type="datetimeFigureOut">
               <a:rPr lang="de-DE" smtClean="0"/>
-              <a:t>14.06.2016</a:t>
+              <a:t>14.09.2016</a:t>
             </a:fld>
             <a:endParaRPr lang="de-DE"/>
           </a:p>
@@ -1938,7 +1939,7 @@
           <a:p>
             <a:fld id="{AE99A224-FCEB-4C93-A695-437297AF6D07}" type="datetimeFigureOut">
               <a:rPr lang="de-DE" smtClean="0"/>
-              <a:t>14.06.2016</a:t>
+              <a:t>14.09.2016</a:t>
             </a:fld>
             <a:endParaRPr lang="de-DE"/>
           </a:p>
@@ -2036,10 +2037,9 @@
           </a:lstStyle>
           <a:p>
             <a:r>
-              <a:rPr lang="de-DE" smtClean="0"/>
+              <a:rPr lang="de-DE"/>
               <a:t>Titelmasterformat durch Klicken bearbeiten</a:t>
             </a:r>
-            <a:endParaRPr lang="de-DE"/>
           </a:p>
         </p:txBody>
       </p:sp>
@@ -2093,38 +2093,37 @@
           <a:p>
             <a:pPr lvl="0"/>
             <a:r>
-              <a:rPr lang="de-DE" smtClean="0"/>
+              <a:rPr lang="de-DE"/>
               <a:t>Textmasterformate durch Klicken bearbeiten</a:t>
             </a:r>
           </a:p>
           <a:p>
             <a:pPr lvl="1"/>
             <a:r>
-              <a:rPr lang="de-DE" smtClean="0"/>
+              <a:rPr lang="de-DE"/>
               <a:t>Zweite Ebene</a:t>
             </a:r>
           </a:p>
           <a:p>
             <a:pPr lvl="2"/>
             <a:r>
-              <a:rPr lang="de-DE" smtClean="0"/>
+              <a:rPr lang="de-DE"/>
               <a:t>Dritte Ebene</a:t>
             </a:r>
           </a:p>
           <a:p>
             <a:pPr lvl="3"/>
             <a:r>
-              <a:rPr lang="de-DE" smtClean="0"/>
+              <a:rPr lang="de-DE"/>
               <a:t>Vierte Ebene</a:t>
             </a:r>
           </a:p>
           <a:p>
             <a:pPr lvl="4"/>
             <a:r>
-              <a:rPr lang="de-DE" smtClean="0"/>
+              <a:rPr lang="de-DE"/>
               <a:t>Fünfte Ebene</a:t>
             </a:r>
-            <a:endParaRPr lang="de-DE"/>
           </a:p>
         </p:txBody>
       </p:sp>
@@ -2187,7 +2186,7 @@
           <a:p>
             <a:pPr lvl="0"/>
             <a:r>
-              <a:rPr lang="de-DE" smtClean="0"/>
+              <a:rPr lang="de-DE"/>
               <a:t>Textmasterformate durch Klicken bearbeiten</a:t>
             </a:r>
           </a:p>
@@ -2210,7 +2209,7 @@
           <a:p>
             <a:fld id="{AE99A224-FCEB-4C93-A695-437297AF6D07}" type="datetimeFigureOut">
               <a:rPr lang="de-DE" smtClean="0"/>
-              <a:t>14.06.2016</a:t>
+              <a:t>14.09.2016</a:t>
             </a:fld>
             <a:endParaRPr lang="de-DE"/>
           </a:p>
@@ -2308,10 +2307,9 @@
           </a:lstStyle>
           <a:p>
             <a:r>
-              <a:rPr lang="de-DE" smtClean="0"/>
+              <a:rPr lang="de-DE"/>
               <a:t>Titelmasterformat durch Klicken bearbeiten</a:t>
             </a:r>
-            <a:endParaRPr lang="de-DE"/>
           </a:p>
         </p:txBody>
       </p:sp>
@@ -2435,7 +2433,7 @@
           <a:p>
             <a:pPr lvl="0"/>
             <a:r>
-              <a:rPr lang="de-DE" smtClean="0"/>
+              <a:rPr lang="de-DE"/>
               <a:t>Textmasterformate durch Klicken bearbeiten</a:t>
             </a:r>
           </a:p>
@@ -2458,7 +2456,7 @@
           <a:p>
             <a:fld id="{AE99A224-FCEB-4C93-A695-437297AF6D07}" type="datetimeFigureOut">
               <a:rPr lang="de-DE" smtClean="0"/>
-              <a:t>14.06.2016</a:t>
+              <a:t>14.09.2016</a:t>
             </a:fld>
             <a:endParaRPr lang="de-DE"/>
           </a:p>
@@ -2562,10 +2560,9 @@
           <a:lstStyle/>
           <a:p>
             <a:r>
-              <a:rPr lang="de-DE" smtClean="0"/>
+              <a:rPr lang="de-DE"/>
               <a:t>Titelmasterformat durch Klicken bearbeiten</a:t>
             </a:r>
-            <a:endParaRPr lang="de-DE"/>
           </a:p>
         </p:txBody>
       </p:sp>
@@ -2596,38 +2593,37 @@
           <a:p>
             <a:pPr lvl="0"/>
             <a:r>
-              <a:rPr lang="de-DE" smtClean="0"/>
+              <a:rPr lang="de-DE"/>
               <a:t>Textmasterformate durch Klicken bearbeiten</a:t>
             </a:r>
           </a:p>
           <a:p>
             <a:pPr lvl="1"/>
             <a:r>
-              <a:rPr lang="de-DE" smtClean="0"/>
+              <a:rPr lang="de-DE"/>
               <a:t>Zweite Ebene</a:t>
             </a:r>
           </a:p>
           <a:p>
             <a:pPr lvl="2"/>
             <a:r>
-              <a:rPr lang="de-DE" smtClean="0"/>
+              <a:rPr lang="de-DE"/>
               <a:t>Dritte Ebene</a:t>
             </a:r>
           </a:p>
           <a:p>
             <a:pPr lvl="3"/>
             <a:r>
-              <a:rPr lang="de-DE" smtClean="0"/>
+              <a:rPr lang="de-DE"/>
               <a:t>Vierte Ebene</a:t>
             </a:r>
           </a:p>
           <a:p>
             <a:pPr lvl="4"/>
             <a:r>
-              <a:rPr lang="de-DE" smtClean="0"/>
+              <a:rPr lang="de-DE"/>
               <a:t>Fünfte Ebene</a:t>
             </a:r>
-            <a:endParaRPr lang="de-DE"/>
           </a:p>
         </p:txBody>
       </p:sp>
@@ -2666,7 +2662,7 @@
           <a:p>
             <a:fld id="{AE99A224-FCEB-4C93-A695-437297AF6D07}" type="datetimeFigureOut">
               <a:rPr lang="de-DE" smtClean="0"/>
-              <a:t>14.06.2016</a:t>
+              <a:t>14.09.2016</a:t>
             </a:fld>
             <a:endParaRPr lang="de-DE"/>
           </a:p>
@@ -3277,6 +3273,66 @@
 </p:sld>
 </file>
 
+<file path=ppt/slides/slide3.xml><?xml version="1.0" encoding="utf-8"?>
+<p:sld xmlns:a="http://schemas.openxmlformats.org/drawingml/2006/main" xmlns:r="http://schemas.openxmlformats.org/officeDocument/2006/relationships" xmlns:p="http://schemas.openxmlformats.org/presentationml/2006/main">
+  <p:cSld>
+    <p:spTree>
+      <p:nvGrpSpPr>
+        <p:cNvPr id="1" name=""/>
+        <p:cNvGrpSpPr/>
+        <p:nvPr/>
+      </p:nvGrpSpPr>
+      <p:grpSpPr>
+        <a:xfrm>
+          <a:off x="0" y="0"/>
+          <a:ext cx="0" cy="0"/>
+          <a:chOff x="0" y="0"/>
+          <a:chExt cx="0" cy="0"/>
+        </a:xfrm>
+      </p:grpSpPr>
+      <p:pic>
+        <p:nvPicPr>
+          <p:cNvPr id="4" name="Grafik 3"/>
+          <p:cNvPicPr>
+            <a:picLocks noChangeAspect="1"/>
+          </p:cNvPicPr>
+          <p:nvPr/>
+        </p:nvPicPr>
+        <p:blipFill>
+          <a:blip r:embed="rId2">
+            <a:extLst>
+              <a:ext uri="{28A0092B-C50C-407E-A947-70E740481C1C}">
+                <a14:useLocalDpi xmlns:a14="http://schemas.microsoft.com/office/drawing/2010/main" val="0"/>
+              </a:ext>
+            </a:extLst>
+          </a:blip>
+          <a:stretch>
+            <a:fillRect/>
+          </a:stretch>
+        </p:blipFill>
+        <p:spPr>
+          <a:xfrm>
+            <a:off x="2886456" y="1743456"/>
+            <a:ext cx="3371088" cy="3371088"/>
+          </a:xfrm>
+          <a:prstGeom prst="rect">
+            <a:avLst/>
+          </a:prstGeom>
+        </p:spPr>
+      </p:pic>
+    </p:spTree>
+    <p:extLst>
+      <p:ext uri="{BB962C8B-B14F-4D97-AF65-F5344CB8AC3E}">
+        <p14:creationId xmlns:p14="http://schemas.microsoft.com/office/powerpoint/2010/main" val="3444772278"/>
+      </p:ext>
+    </p:extLst>
+  </p:cSld>
+  <p:clrMapOvr>
+    <a:masterClrMapping/>
+  </p:clrMapOvr>
+</p:sld>
+</file>
+
 <file path=ppt/theme/theme1.xml><?xml version="1.0" encoding="utf-8"?>
 <a:theme xmlns:a="http://schemas.openxmlformats.org/drawingml/2006/main" name="Larissa-Design">
   <a:themeElements>
